--- a/materials/slides/ch11.pptx
+++ b/materials/slides/ch11.pptx
@@ -41,20 +41,20 @@
   <p:notesSz cx="6858000" cy="9144000"/>
   <p:embeddedFontLst>
     <p:embeddedFont>
-      <p:font typeface="微软雅黑" panose="020B0503020204020204" pitchFamily="34" charset="-122"/>
+      <p:font typeface="Calibri" panose="020F0502020204030204" pitchFamily="34" charset="0"/>
       <p:regular r:id="rId31"/>
       <p:bold r:id="rId32"/>
-    </p:embeddedFont>
-    <p:embeddedFont>
-      <p:font typeface="Calibri" panose="020F0502020204030204" pitchFamily="34" charset="0"/>
-      <p:regular r:id="rId33"/>
-      <p:bold r:id="rId34"/>
-      <p:italic r:id="rId35"/>
-      <p:boldItalic r:id="rId36"/>
+      <p:italic r:id="rId33"/>
+      <p:boldItalic r:id="rId34"/>
     </p:embeddedFont>
     <p:embeddedFont>
       <p:font typeface="黑体" panose="02010609060101010101" pitchFamily="49" charset="-122"/>
-      <p:regular r:id="rId37"/>
+      <p:regular r:id="rId35"/>
+    </p:embeddedFont>
+    <p:embeddedFont>
+      <p:font typeface="微软雅黑" panose="020B0503020204020204" pitchFamily="34" charset="-122"/>
+      <p:regular r:id="rId36"/>
+      <p:bold r:id="rId37"/>
     </p:embeddedFont>
   </p:embeddedFontLst>
   <p:defaultTextStyle>
@@ -201,10 +201,6 @@
 </p:presentation>
 </file>
 
-<file path=ppt/revisionInfo.xml><?xml version="1.0" encoding="utf-8"?>
-<p1510:revInfo xmlns:a="http://schemas.openxmlformats.org/drawingml/2006/main" xmlns:r="http://schemas.openxmlformats.org/officeDocument/2006/relationships" xmlns:p1510="http://schemas.microsoft.com/office/powerpoint/2015/10/main"/>
-</file>
-
 <file path=ppt/notesMasters/notesMaster1.xml><?xml version="1.0" encoding="utf-8"?>
 <p:notesMaster xmlns:a="http://schemas.openxmlformats.org/drawingml/2006/main" xmlns:r="http://schemas.openxmlformats.org/officeDocument/2006/relationships" xmlns:p="http://schemas.openxmlformats.org/presentationml/2006/main">
   <p:cSld>
@@ -300,7 +296,7 @@
               <a:pPr>
                 <a:defRPr/>
               </a:pPr>
-              <a:t>2018/2/5</a:t>
+              <a:t>2019/7/16</a:t>
             </a:fld>
             <a:endParaRPr lang="zh-CN" altLang="en-US"/>
           </a:p>
@@ -1731,7 +1727,7 @@
           <a:graphicData uri="http://schemas.openxmlformats.org/presentationml/2006/ole">
             <mc:AlternateContent xmlns:mc="http://schemas.openxmlformats.org/markup-compatibility/2006">
               <mc:Choice xmlns:v="urn:schemas-microsoft-com:vml" Requires="v">
-                <p:oleObj spid="_x0000_s50200" r:id="rId4" imgW="6824520" imgH="1076040" progId="">
+                <p:oleObj spid="_x0000_s50201" r:id="rId4" imgW="6824520" imgH="1076040" progId="">
                   <p:embed/>
                 </p:oleObj>
               </mc:Choice>
@@ -2177,7 +2173,7 @@
               <a:pPr>
                 <a:defRPr/>
               </a:pPr>
-              <a:t>2018/2/5</a:t>
+              <a:t>2019/7/16</a:t>
             </a:fld>
             <a:endParaRPr lang="zh-CN" altLang="en-US"/>
           </a:p>
@@ -2382,7 +2378,7 @@
               <a:pPr>
                 <a:defRPr/>
               </a:pPr>
-              <a:t>2018/2/5</a:t>
+              <a:t>2019/7/16</a:t>
             </a:fld>
             <a:endParaRPr lang="zh-CN" altLang="en-US"/>
           </a:p>
@@ -2547,7 +2543,7 @@
           <a:graphicData uri="http://schemas.openxmlformats.org/presentationml/2006/ole">
             <mc:AlternateContent xmlns:mc="http://schemas.openxmlformats.org/markup-compatibility/2006">
               <mc:Choice xmlns:v="urn:schemas-microsoft-com:vml" Requires="v">
-                <p:oleObj spid="_x0000_s55320" r:id="rId4" imgW="6824520" imgH="1076040" progId="">
+                <p:oleObj spid="_x0000_s55321" r:id="rId4" imgW="6824520" imgH="1076040" progId="">
                   <p:embed/>
                 </p:oleObj>
               </mc:Choice>
@@ -3097,7 +3093,7 @@
           <a:graphicData uri="http://schemas.openxmlformats.org/presentationml/2006/ole">
             <mc:AlternateContent xmlns:mc="http://schemas.openxmlformats.org/markup-compatibility/2006">
               <mc:Choice xmlns:v="urn:schemas-microsoft-com:vml" Requires="v">
-                <p:oleObj spid="_x0000_s51224" r:id="rId4" imgW="6824520" imgH="1076040" progId="">
+                <p:oleObj spid="_x0000_s51225" r:id="rId4" imgW="6824520" imgH="1076040" progId="">
                   <p:embed/>
                 </p:oleObj>
               </mc:Choice>
@@ -3636,7 +3632,7 @@
           <a:graphicData uri="http://schemas.openxmlformats.org/presentationml/2006/ole">
             <mc:AlternateContent xmlns:mc="http://schemas.openxmlformats.org/markup-compatibility/2006">
               <mc:Choice xmlns:v="urn:schemas-microsoft-com:vml" Requires="v">
-                <p:oleObj spid="_x0000_s52248" r:id="rId4" imgW="6824520" imgH="1076040" progId="">
+                <p:oleObj spid="_x0000_s52249" r:id="rId4" imgW="6824520" imgH="1076040" progId="">
                   <p:embed/>
                 </p:oleObj>
               </mc:Choice>
@@ -4159,7 +4155,7 @@
           <a:graphicData uri="http://schemas.openxmlformats.org/presentationml/2006/ole">
             <mc:AlternateContent xmlns:mc="http://schemas.openxmlformats.org/markup-compatibility/2006">
               <mc:Choice xmlns:v="urn:schemas-microsoft-com:vml" Requires="v">
-                <p:oleObj spid="_x0000_s53272" r:id="rId4" imgW="6824520" imgH="1076040" progId="">
+                <p:oleObj spid="_x0000_s53273" r:id="rId4" imgW="6824520" imgH="1076040" progId="">
                   <p:embed/>
                 </p:oleObj>
               </mc:Choice>
@@ -4696,7 +4692,7 @@
               <a:pPr>
                 <a:defRPr/>
               </a:pPr>
-              <a:t>2018/2/5</a:t>
+              <a:t>2019/7/16</a:t>
             </a:fld>
             <a:endParaRPr lang="zh-CN" altLang="en-US"/>
           </a:p>
@@ -5142,7 +5138,7 @@
               <a:pPr>
                 <a:defRPr/>
               </a:pPr>
-              <a:t>2018/2/5</a:t>
+              <a:t>2019/7/16</a:t>
             </a:fld>
             <a:endParaRPr lang="zh-CN" altLang="en-US"/>
           </a:p>
@@ -5307,7 +5303,7 @@
           <a:graphicData uri="http://schemas.openxmlformats.org/presentationml/2006/ole">
             <mc:AlternateContent xmlns:mc="http://schemas.openxmlformats.org/markup-compatibility/2006">
               <mc:Choice xmlns:v="urn:schemas-microsoft-com:vml" Requires="v">
-                <p:oleObj spid="_x0000_s54296" r:id="rId4" imgW="6824520" imgH="1076040" progId="">
+                <p:oleObj spid="_x0000_s54297" r:id="rId4" imgW="6824520" imgH="1076040" progId="">
                   <p:embed/>
                 </p:oleObj>
               </mc:Choice>
@@ -5676,7 +5672,7 @@
               <a:pPr>
                 <a:defRPr/>
               </a:pPr>
-              <a:t>2018/2/5</a:t>
+              <a:t>2019/7/16</a:t>
             </a:fld>
             <a:endParaRPr lang="zh-CN" altLang="en-US"/>
           </a:p>
@@ -5798,7 +5794,7 @@
               <a:pPr>
                 <a:defRPr/>
               </a:pPr>
-              <a:t>2018/2/5</a:t>
+              <a:t>2019/7/16</a:t>
             </a:fld>
             <a:endParaRPr lang="zh-CN" altLang="en-US"/>
           </a:p>
@@ -6100,7 +6096,7 @@
               <a:pPr>
                 <a:defRPr/>
               </a:pPr>
-              <a:t>2018/2/5</a:t>
+              <a:t>2019/7/16</a:t>
             </a:fld>
             <a:endParaRPr lang="zh-CN" altLang="en-US"/>
           </a:p>
@@ -6382,7 +6378,7 @@
               <a:pPr>
                 <a:defRPr/>
               </a:pPr>
-              <a:t>2018/2/5</a:t>
+              <a:t>2019/7/16</a:t>
             </a:fld>
             <a:endParaRPr lang="zh-CN" altLang="en-US"/>
           </a:p>
@@ -6729,7 +6725,7 @@
               <a:pPr>
                 <a:defRPr/>
               </a:pPr>
-              <a:t>2018/2/5</a:t>
+              <a:t>2019/7/16</a:t>
             </a:fld>
             <a:endParaRPr lang="zh-CN" altLang="en-US"/>
           </a:p>
@@ -6849,7 +6845,7 @@
           <a:graphicData uri="http://schemas.openxmlformats.org/presentationml/2006/ole">
             <mc:AlternateContent xmlns:mc="http://schemas.openxmlformats.org/markup-compatibility/2006">
               <mc:Choice xmlns:v="urn:schemas-microsoft-com:vml" Requires="v">
-                <p:oleObj spid="_x0000_s1056" r:id="rId16" imgW="6824520" imgH="1076040" progId="">
+                <p:oleObj spid="_x0000_s1057" r:id="rId16" imgW="6824520" imgH="1076040" progId="">
                   <p:embed/>
                 </p:oleObj>
               </mc:Choice>
@@ -11487,7 +11483,7 @@
               <a:t>记录和</a:t>
             </a:r>
             <a:r>
-              <a:rPr lang="zh-CN" altLang="en-US" sz="2400" dirty="0">
+              <a:rPr lang="zh-CN" altLang="en-US" sz="2400">
                 <a:solidFill>
                   <a:srgbClr val="FF0000"/>
                 </a:solidFill>
@@ -11495,8 +11491,8 @@
               <a:t>文本文件</a:t>
             </a:r>
             <a:r>
-              <a:rPr lang="zh-CN" altLang="en-US" sz="2400" dirty="0"/>
-              <a:t>记录</a:t>
+              <a:rPr lang="zh-CN" altLang="en-US" sz="2400"/>
+              <a:t>记录 </a:t>
             </a:r>
             <a:endParaRPr lang="en-US" altLang="zh-CN" sz="2400" dirty="0"/>
           </a:p>
